--- a/Lecture#15/Lecture_15_presentationC.pptx
+++ b/Lecture#15/Lecture_15_presentationC.pptx
@@ -7,43 +7,44 @@
     <p:sldMasterId id="2147483671" r:id="rId3"/>
   </p:sldMasterIdLst>
   <p:notesMasterIdLst>
-    <p:notesMasterId r:id="rId35"/>
+    <p:notesMasterId r:id="rId36"/>
   </p:notesMasterIdLst>
   <p:handoutMasterIdLst>
-    <p:handoutMasterId r:id="rId36"/>
+    <p:handoutMasterId r:id="rId37"/>
   </p:handoutMasterIdLst>
   <p:sldIdLst>
     <p:sldId id="260" r:id="rId4"/>
     <p:sldId id="384" r:id="rId5"/>
     <p:sldId id="428" r:id="rId6"/>
-    <p:sldId id="393" r:id="rId7"/>
-    <p:sldId id="394" r:id="rId8"/>
-    <p:sldId id="426" r:id="rId9"/>
-    <p:sldId id="401" r:id="rId10"/>
-    <p:sldId id="402" r:id="rId11"/>
-    <p:sldId id="403" r:id="rId12"/>
-    <p:sldId id="404" r:id="rId13"/>
-    <p:sldId id="405" r:id="rId14"/>
-    <p:sldId id="406" r:id="rId15"/>
-    <p:sldId id="407" r:id="rId16"/>
-    <p:sldId id="408" r:id="rId17"/>
-    <p:sldId id="409" r:id="rId18"/>
-    <p:sldId id="410" r:id="rId19"/>
-    <p:sldId id="411" r:id="rId20"/>
-    <p:sldId id="413" r:id="rId21"/>
-    <p:sldId id="412" r:id="rId22"/>
-    <p:sldId id="414" r:id="rId23"/>
-    <p:sldId id="415" r:id="rId24"/>
-    <p:sldId id="416" r:id="rId25"/>
-    <p:sldId id="377" r:id="rId26"/>
-    <p:sldId id="385" r:id="rId27"/>
-    <p:sldId id="386" r:id="rId28"/>
-    <p:sldId id="417" r:id="rId29"/>
-    <p:sldId id="427" r:id="rId30"/>
-    <p:sldId id="418" r:id="rId31"/>
-    <p:sldId id="389" r:id="rId32"/>
-    <p:sldId id="390" r:id="rId33"/>
-    <p:sldId id="391" r:id="rId34"/>
+    <p:sldId id="479" r:id="rId7"/>
+    <p:sldId id="393" r:id="rId8"/>
+    <p:sldId id="394" r:id="rId9"/>
+    <p:sldId id="426" r:id="rId10"/>
+    <p:sldId id="401" r:id="rId11"/>
+    <p:sldId id="402" r:id="rId12"/>
+    <p:sldId id="403" r:id="rId13"/>
+    <p:sldId id="404" r:id="rId14"/>
+    <p:sldId id="405" r:id="rId15"/>
+    <p:sldId id="406" r:id="rId16"/>
+    <p:sldId id="407" r:id="rId17"/>
+    <p:sldId id="408" r:id="rId18"/>
+    <p:sldId id="409" r:id="rId19"/>
+    <p:sldId id="410" r:id="rId20"/>
+    <p:sldId id="411" r:id="rId21"/>
+    <p:sldId id="413" r:id="rId22"/>
+    <p:sldId id="412" r:id="rId23"/>
+    <p:sldId id="414" r:id="rId24"/>
+    <p:sldId id="415" r:id="rId25"/>
+    <p:sldId id="416" r:id="rId26"/>
+    <p:sldId id="377" r:id="rId27"/>
+    <p:sldId id="385" r:id="rId28"/>
+    <p:sldId id="386" r:id="rId29"/>
+    <p:sldId id="417" r:id="rId30"/>
+    <p:sldId id="427" r:id="rId31"/>
+    <p:sldId id="418" r:id="rId32"/>
+    <p:sldId id="389" r:id="rId33"/>
+    <p:sldId id="390" r:id="rId34"/>
+    <p:sldId id="391" r:id="rId35"/>
   </p:sldIdLst>
   <p:sldSz cx="10058400" cy="7772400"/>
   <p:notesSz cx="7315200" cy="9601200"/>
@@ -296,7 +297,7 @@
                 </a:solidFill>
               </a:rPr>
               <a:pPr/>
-              <a:t>3/6/2019</a:t>
+              <a:t>3/12/2019</a:t>
             </a:fld>
             <a:endParaRPr lang="en-US" dirty="0">
               <a:solidFill>
@@ -457,7 +458,7 @@
             <a:fld id="{DBF7D493-8EEB-7E45-916B-5FBC49ABC710}" type="datetimeFigureOut">
               <a:rPr lang="en-US" smtClean="0"/>
               <a:pPr/>
-              <a:t>3/6/2019</a:t>
+              <a:t>3/12/2019</a:t>
             </a:fld>
             <a:endParaRPr lang="en-US" dirty="0"/>
           </a:p>
@@ -1353,7 +1354,7 @@
           <a:p>
             <a:fld id="{F5AD3F35-2226-4DB4-98B9-4217D8D1C035}" type="datetimeFigureOut">
               <a:rPr lang="en-US" smtClean="0"/>
-              <a:t>3/7/2019</a:t>
+              <a:t>3/12/2019</a:t>
             </a:fld>
             <a:endParaRPr lang="en-US"/>
           </a:p>
@@ -2219,7 +2220,7 @@
           <a:p>
             <a:fld id="{F5AD3F35-2226-4DB4-98B9-4217D8D1C035}" type="datetimeFigureOut">
               <a:rPr lang="en-US" smtClean="0"/>
-              <a:t>3/7/2019</a:t>
+              <a:t>3/12/2019</a:t>
             </a:fld>
             <a:endParaRPr lang="en-US"/>
           </a:p>
@@ -4352,6 +4353,81 @@
       </p:grpSpPr>
       <p:pic>
         <p:nvPicPr>
+          <p:cNvPr id="6146" name="Picture 2" descr="N Queen Problem Recursion explaination">
+            <a:extLst>
+              <a:ext uri="{FF2B5EF4-FFF2-40B4-BE49-F238E27FC236}">
+                <a16:creationId xmlns:a16="http://schemas.microsoft.com/office/drawing/2014/main" id="{DB447D49-EF67-43DB-9ABA-410FBA77388C}"/>
+              </a:ext>
+            </a:extLst>
+          </p:cNvPr>
+          <p:cNvPicPr>
+            <a:picLocks noChangeAspect="1" noChangeArrowheads="1"/>
+          </p:cNvPicPr>
+          <p:nvPr/>
+        </p:nvPicPr>
+        <p:blipFill rotWithShape="1">
+          <a:blip r:embed="rId2">
+            <a:extLst>
+              <a:ext uri="{28A0092B-C50C-407E-A947-70E740481C1C}">
+                <a14:useLocalDpi xmlns:a14="http://schemas.microsoft.com/office/drawing/2010/main" val="0"/>
+              </a:ext>
+            </a:extLst>
+          </a:blip>
+          <a:srcRect b="9697"/>
+          <a:stretch/>
+        </p:blipFill>
+        <p:spPr bwMode="auto">
+          <a:xfrm>
+            <a:off x="457200" y="457200"/>
+            <a:ext cx="9144000" cy="6192982"/>
+          </a:xfrm>
+          <a:prstGeom prst="rect">
+            <a:avLst/>
+          </a:prstGeom>
+          <a:noFill/>
+          <a:extLst>
+            <a:ext uri="{909E8E84-426E-40DD-AFC4-6F175D3DCCD1}">
+              <a14:hiddenFill xmlns:a14="http://schemas.microsoft.com/office/drawing/2010/main">
+                <a:solidFill>
+                  <a:srgbClr val="FFFFFF"/>
+                </a:solidFill>
+              </a14:hiddenFill>
+            </a:ext>
+          </a:extLst>
+        </p:spPr>
+      </p:pic>
+    </p:spTree>
+    <p:extLst>
+      <p:ext uri="{BB962C8B-B14F-4D97-AF65-F5344CB8AC3E}">
+        <p14:creationId xmlns:p14="http://schemas.microsoft.com/office/powerpoint/2010/main" val="929178324"/>
+      </p:ext>
+    </p:extLst>
+  </p:cSld>
+  <p:clrMapOvr>
+    <a:masterClrMapping/>
+  </p:clrMapOvr>
+</p:sld>
+</file>
+
+<file path=ppt/slides/slide11.xml><?xml version="1.0" encoding="utf-8"?>
+<p:sld xmlns:a="http://schemas.openxmlformats.org/drawingml/2006/main" xmlns:r="http://schemas.openxmlformats.org/officeDocument/2006/relationships" xmlns:p="http://schemas.openxmlformats.org/presentationml/2006/main">
+  <p:cSld>
+    <p:spTree>
+      <p:nvGrpSpPr>
+        <p:cNvPr id="1" name=""/>
+        <p:cNvGrpSpPr/>
+        <p:nvPr/>
+      </p:nvGrpSpPr>
+      <p:grpSpPr>
+        <a:xfrm>
+          <a:off x="0" y="0"/>
+          <a:ext cx="0" cy="0"/>
+          <a:chOff x="0" y="0"/>
+          <a:chExt cx="0" cy="0"/>
+        </a:xfrm>
+      </p:grpSpPr>
+      <p:pic>
+        <p:nvPicPr>
           <p:cNvPr id="7170" name="Picture 2" descr="N Queen Problem Recursion explaination">
             <a:extLst>
               <a:ext uri="{FF2B5EF4-FFF2-40B4-BE49-F238E27FC236}">
@@ -4408,7 +4484,7 @@
 </p:sld>
 </file>
 
-<file path=ppt/slides/slide11.xml><?xml version="1.0" encoding="utf-8"?>
+<file path=ppt/slides/slide12.xml><?xml version="1.0" encoding="utf-8"?>
 <p:sld xmlns:a="http://schemas.openxmlformats.org/drawingml/2006/main" xmlns:r="http://schemas.openxmlformats.org/officeDocument/2006/relationships" xmlns:p="http://schemas.openxmlformats.org/presentationml/2006/main">
   <p:cSld>
     <p:spTree>
@@ -4483,7 +4559,7 @@
 </p:sld>
 </file>
 
-<file path=ppt/slides/slide12.xml><?xml version="1.0" encoding="utf-8"?>
+<file path=ppt/slides/slide13.xml><?xml version="1.0" encoding="utf-8"?>
 <p:sld xmlns:a="http://schemas.openxmlformats.org/drawingml/2006/main" xmlns:r="http://schemas.openxmlformats.org/officeDocument/2006/relationships" xmlns:p="http://schemas.openxmlformats.org/presentationml/2006/main">
   <p:cSld>
     <p:spTree>
@@ -4558,7 +4634,7 @@
 </p:sld>
 </file>
 
-<file path=ppt/slides/slide13.xml><?xml version="1.0" encoding="utf-8"?>
+<file path=ppt/slides/slide14.xml><?xml version="1.0" encoding="utf-8"?>
 <p:sld xmlns:a="http://schemas.openxmlformats.org/drawingml/2006/main" xmlns:r="http://schemas.openxmlformats.org/officeDocument/2006/relationships" xmlns:p="http://schemas.openxmlformats.org/presentationml/2006/main">
   <p:cSld>
     <p:spTree>
@@ -4633,7 +4709,7 @@
 </p:sld>
 </file>
 
-<file path=ppt/slides/slide14.xml><?xml version="1.0" encoding="utf-8"?>
+<file path=ppt/slides/slide15.xml><?xml version="1.0" encoding="utf-8"?>
 <p:sld xmlns:a="http://schemas.openxmlformats.org/drawingml/2006/main" xmlns:r="http://schemas.openxmlformats.org/officeDocument/2006/relationships" xmlns:p="http://schemas.openxmlformats.org/presentationml/2006/main">
   <p:cSld>
     <p:spTree>
@@ -4708,7 +4784,7 @@
 </p:sld>
 </file>
 
-<file path=ppt/slides/slide15.xml><?xml version="1.0" encoding="utf-8"?>
+<file path=ppt/slides/slide16.xml><?xml version="1.0" encoding="utf-8"?>
 <p:sld xmlns:a="http://schemas.openxmlformats.org/drawingml/2006/main" xmlns:r="http://schemas.openxmlformats.org/officeDocument/2006/relationships" xmlns:p="http://schemas.openxmlformats.org/presentationml/2006/main">
   <p:cSld>
     <p:spTree>
@@ -4783,7 +4859,7 @@
 </p:sld>
 </file>
 
-<file path=ppt/slides/slide16.xml><?xml version="1.0" encoding="utf-8"?>
+<file path=ppt/slides/slide17.xml><?xml version="1.0" encoding="utf-8"?>
 <p:sld xmlns:a="http://schemas.openxmlformats.org/drawingml/2006/main" xmlns:r="http://schemas.openxmlformats.org/officeDocument/2006/relationships" xmlns:p="http://schemas.openxmlformats.org/presentationml/2006/main">
   <p:cSld>
     <p:spTree>
@@ -4858,7 +4934,7 @@
 </p:sld>
 </file>
 
-<file path=ppt/slides/slide17.xml><?xml version="1.0" encoding="utf-8"?>
+<file path=ppt/slides/slide18.xml><?xml version="1.0" encoding="utf-8"?>
 <p:sld xmlns:a="http://schemas.openxmlformats.org/drawingml/2006/main" xmlns:r="http://schemas.openxmlformats.org/officeDocument/2006/relationships" xmlns:p="http://schemas.openxmlformats.org/presentationml/2006/main">
   <p:cSld>
     <p:spTree>
@@ -4933,7 +5009,7 @@
 </p:sld>
 </file>
 
-<file path=ppt/slides/slide18.xml><?xml version="1.0" encoding="utf-8"?>
+<file path=ppt/slides/slide19.xml><?xml version="1.0" encoding="utf-8"?>
 <p:sld xmlns:a="http://schemas.openxmlformats.org/drawingml/2006/main" xmlns:r="http://schemas.openxmlformats.org/officeDocument/2006/relationships" xmlns:p="http://schemas.openxmlformats.org/presentationml/2006/main">
   <p:cSld>
     <p:spTree>
@@ -4999,81 +5075,6 @@
     <p:extLst>
       <p:ext uri="{BB962C8B-B14F-4D97-AF65-F5344CB8AC3E}">
         <p14:creationId xmlns:p14="http://schemas.microsoft.com/office/powerpoint/2010/main" val="1207700624"/>
-      </p:ext>
-    </p:extLst>
-  </p:cSld>
-  <p:clrMapOvr>
-    <a:masterClrMapping/>
-  </p:clrMapOvr>
-</p:sld>
-</file>
-
-<file path=ppt/slides/slide19.xml><?xml version="1.0" encoding="utf-8"?>
-<p:sld xmlns:a="http://schemas.openxmlformats.org/drawingml/2006/main" xmlns:r="http://schemas.openxmlformats.org/officeDocument/2006/relationships" xmlns:p="http://schemas.openxmlformats.org/presentationml/2006/main">
-  <p:cSld>
-    <p:spTree>
-      <p:nvGrpSpPr>
-        <p:cNvPr id="1" name=""/>
-        <p:cNvGrpSpPr/>
-        <p:nvPr/>
-      </p:nvGrpSpPr>
-      <p:grpSpPr>
-        <a:xfrm>
-          <a:off x="0" y="0"/>
-          <a:ext cx="0" cy="0"/>
-          <a:chOff x="0" y="0"/>
-          <a:chExt cx="0" cy="0"/>
-        </a:xfrm>
-      </p:grpSpPr>
-      <p:pic>
-        <p:nvPicPr>
-          <p:cNvPr id="16386" name="Picture 2" descr="N Queen Problem Recursion explaination">
-            <a:extLst>
-              <a:ext uri="{FF2B5EF4-FFF2-40B4-BE49-F238E27FC236}">
-                <a16:creationId xmlns:a16="http://schemas.microsoft.com/office/drawing/2014/main" id="{C444D219-317D-4745-9794-8BFE47C66C14}"/>
-              </a:ext>
-            </a:extLst>
-          </p:cNvPr>
-          <p:cNvPicPr>
-            <a:picLocks noChangeAspect="1" noChangeArrowheads="1"/>
-          </p:cNvPicPr>
-          <p:nvPr/>
-        </p:nvPicPr>
-        <p:blipFill rotWithShape="1">
-          <a:blip r:embed="rId2">
-            <a:extLst>
-              <a:ext uri="{28A0092B-C50C-407E-A947-70E740481C1C}">
-                <a14:useLocalDpi xmlns:a14="http://schemas.microsoft.com/office/drawing/2010/main" val="0"/>
-              </a:ext>
-            </a:extLst>
-          </a:blip>
-          <a:srcRect b="9023"/>
-          <a:stretch/>
-        </p:blipFill>
-        <p:spPr bwMode="auto">
-          <a:xfrm>
-            <a:off x="457200" y="457200"/>
-            <a:ext cx="9144000" cy="6239164"/>
-          </a:xfrm>
-          <a:prstGeom prst="rect">
-            <a:avLst/>
-          </a:prstGeom>
-          <a:noFill/>
-          <a:extLst>
-            <a:ext uri="{909E8E84-426E-40DD-AFC4-6F175D3DCCD1}">
-              <a14:hiddenFill xmlns:a14="http://schemas.microsoft.com/office/drawing/2010/main">
-                <a:solidFill>
-                  <a:srgbClr val="FFFFFF"/>
-                </a:solidFill>
-              </a14:hiddenFill>
-            </a:ext>
-          </a:extLst>
-        </p:spPr>
-      </p:pic>
-    </p:spTree>
-    <p:extLst>
-      <p:ext uri="{BB962C8B-B14F-4D97-AF65-F5344CB8AC3E}">
-        <p14:creationId xmlns:p14="http://schemas.microsoft.com/office/powerpoint/2010/main" val="1333183250"/>
       </p:ext>
     </p:extLst>
   </p:cSld>
@@ -5763,6 +5764,81 @@
       </p:grpSpPr>
       <p:pic>
         <p:nvPicPr>
+          <p:cNvPr id="16386" name="Picture 2" descr="N Queen Problem Recursion explaination">
+            <a:extLst>
+              <a:ext uri="{FF2B5EF4-FFF2-40B4-BE49-F238E27FC236}">
+                <a16:creationId xmlns:a16="http://schemas.microsoft.com/office/drawing/2014/main" id="{C444D219-317D-4745-9794-8BFE47C66C14}"/>
+              </a:ext>
+            </a:extLst>
+          </p:cNvPr>
+          <p:cNvPicPr>
+            <a:picLocks noChangeAspect="1" noChangeArrowheads="1"/>
+          </p:cNvPicPr>
+          <p:nvPr/>
+        </p:nvPicPr>
+        <p:blipFill rotWithShape="1">
+          <a:blip r:embed="rId2">
+            <a:extLst>
+              <a:ext uri="{28A0092B-C50C-407E-A947-70E740481C1C}">
+                <a14:useLocalDpi xmlns:a14="http://schemas.microsoft.com/office/drawing/2010/main" val="0"/>
+              </a:ext>
+            </a:extLst>
+          </a:blip>
+          <a:srcRect b="9023"/>
+          <a:stretch/>
+        </p:blipFill>
+        <p:spPr bwMode="auto">
+          <a:xfrm>
+            <a:off x="457200" y="457200"/>
+            <a:ext cx="9144000" cy="6239164"/>
+          </a:xfrm>
+          <a:prstGeom prst="rect">
+            <a:avLst/>
+          </a:prstGeom>
+          <a:noFill/>
+          <a:extLst>
+            <a:ext uri="{909E8E84-426E-40DD-AFC4-6F175D3DCCD1}">
+              <a14:hiddenFill xmlns:a14="http://schemas.microsoft.com/office/drawing/2010/main">
+                <a:solidFill>
+                  <a:srgbClr val="FFFFFF"/>
+                </a:solidFill>
+              </a14:hiddenFill>
+            </a:ext>
+          </a:extLst>
+        </p:spPr>
+      </p:pic>
+    </p:spTree>
+    <p:extLst>
+      <p:ext uri="{BB962C8B-B14F-4D97-AF65-F5344CB8AC3E}">
+        <p14:creationId xmlns:p14="http://schemas.microsoft.com/office/powerpoint/2010/main" val="1333183250"/>
+      </p:ext>
+    </p:extLst>
+  </p:cSld>
+  <p:clrMapOvr>
+    <a:masterClrMapping/>
+  </p:clrMapOvr>
+</p:sld>
+</file>
+
+<file path=ppt/slides/slide21.xml><?xml version="1.0" encoding="utf-8"?>
+<p:sld xmlns:a="http://schemas.openxmlformats.org/drawingml/2006/main" xmlns:r="http://schemas.openxmlformats.org/officeDocument/2006/relationships" xmlns:p="http://schemas.openxmlformats.org/presentationml/2006/main">
+  <p:cSld>
+    <p:spTree>
+      <p:nvGrpSpPr>
+        <p:cNvPr id="1" name=""/>
+        <p:cNvGrpSpPr/>
+        <p:nvPr/>
+      </p:nvGrpSpPr>
+      <p:grpSpPr>
+        <a:xfrm>
+          <a:off x="0" y="0"/>
+          <a:ext cx="0" cy="0"/>
+          <a:chOff x="0" y="0"/>
+          <a:chExt cx="0" cy="0"/>
+        </a:xfrm>
+      </p:grpSpPr>
+      <p:pic>
+        <p:nvPicPr>
           <p:cNvPr id="17410" name="Picture 2" descr="N Queen Problem Recursion explaination">
             <a:extLst>
               <a:ext uri="{FF2B5EF4-FFF2-40B4-BE49-F238E27FC236}">
@@ -5819,7 +5895,7 @@
 </p:sld>
 </file>
 
-<file path=ppt/slides/slide21.xml><?xml version="1.0" encoding="utf-8"?>
+<file path=ppt/slides/slide22.xml><?xml version="1.0" encoding="utf-8"?>
 <p:sld xmlns:a="http://schemas.openxmlformats.org/drawingml/2006/main" xmlns:r="http://schemas.openxmlformats.org/officeDocument/2006/relationships" xmlns:p="http://schemas.openxmlformats.org/presentationml/2006/main">
   <p:cSld>
     <p:spTree>
@@ -5894,7 +5970,7 @@
 </p:sld>
 </file>
 
-<file path=ppt/slides/slide22.xml><?xml version="1.0" encoding="utf-8"?>
+<file path=ppt/slides/slide23.xml><?xml version="1.0" encoding="utf-8"?>
 <p:sld xmlns:a="http://schemas.openxmlformats.org/drawingml/2006/main" xmlns:r="http://schemas.openxmlformats.org/officeDocument/2006/relationships" xmlns:p="http://schemas.openxmlformats.org/presentationml/2006/main">
   <p:cSld>
     <p:spTree>
@@ -5969,7 +6045,7 @@
 </p:sld>
 </file>
 
-<file path=ppt/slides/slide23.xml><?xml version="1.0" encoding="utf-8"?>
+<file path=ppt/slides/slide24.xml><?xml version="1.0" encoding="utf-8"?>
 <p:sld xmlns:a="http://schemas.openxmlformats.org/drawingml/2006/main" xmlns:r="http://schemas.openxmlformats.org/officeDocument/2006/relationships" xmlns:p="http://schemas.openxmlformats.org/presentationml/2006/main">
   <p:cSld>
     <p:spTree>
@@ -7338,7 +7414,7 @@
 </p:sld>
 </file>
 
-<file path=ppt/slides/slide24.xml><?xml version="1.0" encoding="utf-8"?>
+<file path=ppt/slides/slide25.xml><?xml version="1.0" encoding="utf-8"?>
 <p:sld xmlns:a="http://schemas.openxmlformats.org/drawingml/2006/main" xmlns:r="http://schemas.openxmlformats.org/officeDocument/2006/relationships" xmlns:p="http://schemas.openxmlformats.org/presentationml/2006/main">
   <p:cSld>
     <p:spTree>
@@ -8752,7 +8828,7 @@
 </p:sld>
 </file>
 
-<file path=ppt/slides/slide25.xml><?xml version="1.0" encoding="utf-8"?>
+<file path=ppt/slides/slide26.xml><?xml version="1.0" encoding="utf-8"?>
 <p:sld xmlns:a="http://schemas.openxmlformats.org/drawingml/2006/main" xmlns:r="http://schemas.openxmlformats.org/officeDocument/2006/relationships" xmlns:p="http://schemas.openxmlformats.org/presentationml/2006/main">
   <p:cSld>
     <p:spTree>
@@ -11136,7 +11212,7 @@
 </p:sld>
 </file>
 
-<file path=ppt/slides/slide26.xml><?xml version="1.0" encoding="utf-8"?>
+<file path=ppt/slides/slide27.xml><?xml version="1.0" encoding="utf-8"?>
 <p:sld xmlns:a="http://schemas.openxmlformats.org/drawingml/2006/main" xmlns:r="http://schemas.openxmlformats.org/officeDocument/2006/relationships" xmlns:p="http://schemas.openxmlformats.org/presentationml/2006/main">
   <p:cSld>
     <p:spTree>
@@ -11247,7 +11323,7 @@
 </p:sld>
 </file>
 
-<file path=ppt/slides/slide27.xml><?xml version="1.0" encoding="utf-8"?>
+<file path=ppt/slides/slide28.xml><?xml version="1.0" encoding="utf-8"?>
 <p:sld xmlns:a="http://schemas.openxmlformats.org/drawingml/2006/main" xmlns:r="http://schemas.openxmlformats.org/officeDocument/2006/relationships" xmlns:p="http://schemas.openxmlformats.org/presentationml/2006/main">
   <p:cSld>
     <p:spTree>
@@ -11358,7 +11434,7 @@
 </p:sld>
 </file>
 
-<file path=ppt/slides/slide28.xml><?xml version="1.0" encoding="utf-8"?>
+<file path=ppt/slides/slide29.xml><?xml version="1.0" encoding="utf-8"?>
 <p:sld xmlns:a="http://schemas.openxmlformats.org/drawingml/2006/main" xmlns:r="http://schemas.openxmlformats.org/officeDocument/2006/relationships" xmlns:p="http://schemas.openxmlformats.org/presentationml/2006/main">
   <p:cSld>
     <p:spTree>
@@ -11501,7 +11577,66 @@
 </p:sld>
 </file>
 
-<file path=ppt/slides/slide29.xml><?xml version="1.0" encoding="utf-8"?>
+<file path=ppt/slides/slide3.xml><?xml version="1.0" encoding="utf-8"?>
+<p:sld xmlns:a="http://schemas.openxmlformats.org/drawingml/2006/main" xmlns:r="http://schemas.openxmlformats.org/officeDocument/2006/relationships" xmlns:p="http://schemas.openxmlformats.org/presentationml/2006/main">
+  <p:cSld>
+    <p:spTree>
+      <p:nvGrpSpPr>
+        <p:cNvPr id="1" name=""/>
+        <p:cNvGrpSpPr/>
+        <p:nvPr/>
+      </p:nvGrpSpPr>
+      <p:grpSpPr>
+        <a:xfrm>
+          <a:off x="0" y="0"/>
+          <a:ext cx="0" cy="0"/>
+          <a:chOff x="0" y="0"/>
+          <a:chExt cx="0" cy="0"/>
+        </a:xfrm>
+      </p:grpSpPr>
+      <p:sp>
+        <p:nvSpPr>
+          <p:cNvPr id="4" name="Slide Number Placeholder 3">
+            <a:extLst>
+              <a:ext uri="{FF2B5EF4-FFF2-40B4-BE49-F238E27FC236}">
+                <a16:creationId xmlns:a16="http://schemas.microsoft.com/office/drawing/2014/main" id="{EC88B6A7-582A-4789-93BC-ECB2D91729BC}"/>
+              </a:ext>
+            </a:extLst>
+          </p:cNvPr>
+          <p:cNvSpPr>
+            <a:spLocks noGrp="1"/>
+          </p:cNvSpPr>
+          <p:nvPr>
+            <p:ph type="sldNum" sz="quarter" idx="12"/>
+          </p:nvPr>
+        </p:nvSpPr>
+        <p:spPr/>
+        <p:txBody>
+          <a:bodyPr/>
+          <a:lstStyle/>
+          <a:p>
+            <a:fld id="{F8E23C6C-DE4C-4D48-840F-A0C7177D948A}" type="slidenum">
+              <a:rPr lang="en-US" smtClean="0"/>
+              <a:t>3</a:t>
+            </a:fld>
+            <a:endParaRPr lang="en-US"/>
+          </a:p>
+        </p:txBody>
+      </p:sp>
+    </p:spTree>
+    <p:extLst>
+      <p:ext uri="{BB962C8B-B14F-4D97-AF65-F5344CB8AC3E}">
+        <p14:creationId xmlns:p14="http://schemas.microsoft.com/office/powerpoint/2010/main" val="1159932425"/>
+      </p:ext>
+    </p:extLst>
+  </p:cSld>
+  <p:clrMapOvr>
+    <a:masterClrMapping/>
+  </p:clrMapOvr>
+</p:sld>
+</file>
+
+<file path=ppt/slides/slide30.xml><?xml version="1.0" encoding="utf-8"?>
 <p:sld xmlns:a="http://schemas.openxmlformats.org/drawingml/2006/main" xmlns:r="http://schemas.openxmlformats.org/officeDocument/2006/relationships" xmlns:p="http://schemas.openxmlformats.org/presentationml/2006/main">
   <p:cSld>
     <p:spTree>
@@ -14933,134 +15068,7 @@
 </p:sld>
 </file>
 
-<file path=ppt/slides/slide3.xml><?xml version="1.0" encoding="utf-8"?>
-<p:sld xmlns:a="http://schemas.openxmlformats.org/drawingml/2006/main" xmlns:r="http://schemas.openxmlformats.org/officeDocument/2006/relationships" xmlns:p="http://schemas.openxmlformats.org/presentationml/2006/main">
-  <p:cSld>
-    <p:spTree>
-      <p:nvGrpSpPr>
-        <p:cNvPr id="1" name=""/>
-        <p:cNvGrpSpPr/>
-        <p:nvPr/>
-      </p:nvGrpSpPr>
-      <p:grpSpPr>
-        <a:xfrm>
-          <a:off x="0" y="0"/>
-          <a:ext cx="0" cy="0"/>
-          <a:chOff x="0" y="0"/>
-          <a:chExt cx="0" cy="0"/>
-        </a:xfrm>
-      </p:grpSpPr>
-      <p:sp>
-        <p:nvSpPr>
-          <p:cNvPr id="4" name="Slide Number Placeholder 3">
-            <a:extLst>
-              <a:ext uri="{FF2B5EF4-FFF2-40B4-BE49-F238E27FC236}">
-                <a16:creationId xmlns:a16="http://schemas.microsoft.com/office/drawing/2014/main" id="{EC88B6A7-582A-4789-93BC-ECB2D91729BC}"/>
-              </a:ext>
-            </a:extLst>
-          </p:cNvPr>
-          <p:cNvSpPr>
-            <a:spLocks noGrp="1"/>
-          </p:cNvSpPr>
-          <p:nvPr>
-            <p:ph type="sldNum" sz="quarter" idx="12"/>
-          </p:nvPr>
-        </p:nvSpPr>
-        <p:spPr/>
-        <p:txBody>
-          <a:bodyPr/>
-          <a:lstStyle/>
-          <a:p>
-            <a:fld id="{F8E23C6C-DE4C-4D48-840F-A0C7177D948A}" type="slidenum">
-              <a:rPr lang="en-US" smtClean="0"/>
-              <a:t>3</a:t>
-            </a:fld>
-            <a:endParaRPr lang="en-US"/>
-          </a:p>
-        </p:txBody>
-      </p:sp>
-      <p:pic>
-        <p:nvPicPr>
-          <p:cNvPr id="5" name="Picture 4">
-            <a:extLst>
-              <a:ext uri="{FF2B5EF4-FFF2-40B4-BE49-F238E27FC236}">
-                <a16:creationId xmlns:a16="http://schemas.microsoft.com/office/drawing/2014/main" id="{622C8980-AA37-4D75-9C8E-46BF57C6FED8}"/>
-              </a:ext>
-            </a:extLst>
-          </p:cNvPr>
-          <p:cNvPicPr>
-            <a:picLocks noChangeAspect="1"/>
-          </p:cNvPicPr>
-          <p:nvPr/>
-        </p:nvPicPr>
-        <p:blipFill>
-          <a:blip r:embed="rId2"/>
-          <a:stretch>
-            <a:fillRect/>
-          </a:stretch>
-        </p:blipFill>
-        <p:spPr>
-          <a:xfrm>
-            <a:off x="0" y="261046"/>
-            <a:ext cx="10058400" cy="6566820"/>
-          </a:xfrm>
-          <a:prstGeom prst="rect">
-            <a:avLst/>
-          </a:prstGeom>
-        </p:spPr>
-      </p:pic>
-      <p:sp>
-        <p:nvSpPr>
-          <p:cNvPr id="6" name="TextBox 5">
-            <a:extLst>
-              <a:ext uri="{FF2B5EF4-FFF2-40B4-BE49-F238E27FC236}">
-                <a16:creationId xmlns:a16="http://schemas.microsoft.com/office/drawing/2014/main" id="{9D5FC69C-777F-416E-A5CF-DECD2BA75D16}"/>
-              </a:ext>
-            </a:extLst>
-          </p:cNvPr>
-          <p:cNvSpPr txBox="1"/>
-          <p:nvPr/>
-        </p:nvSpPr>
-        <p:spPr>
-          <a:xfrm>
-            <a:off x="6253018" y="90233"/>
-            <a:ext cx="3805382" cy="307777"/>
-          </a:xfrm>
-          <a:prstGeom prst="rect">
-            <a:avLst/>
-          </a:prstGeom>
-          <a:noFill/>
-        </p:spPr>
-        <p:txBody>
-          <a:bodyPr wrap="square" rtlCol="0">
-            <a:spAutoFit/>
-          </a:bodyPr>
-          <a:lstStyle/>
-          <a:p>
-            <a:r>
-              <a:rPr lang="en-US" sz="1400" dirty="0">
-                <a:latin typeface="Times New Roman" panose="02020603050405020304" pitchFamily="18" charset="0"/>
-                <a:cs typeface="Times New Roman" panose="02020603050405020304" pitchFamily="18" charset="0"/>
-              </a:rPr>
-              <a:t>Ref: https://codepumpkin.com/n-queen-problem/</a:t>
-            </a:r>
-          </a:p>
-        </p:txBody>
-      </p:sp>
-    </p:spTree>
-    <p:extLst>
-      <p:ext uri="{BB962C8B-B14F-4D97-AF65-F5344CB8AC3E}">
-        <p14:creationId xmlns:p14="http://schemas.microsoft.com/office/powerpoint/2010/main" val="1159932425"/>
-      </p:ext>
-    </p:extLst>
-  </p:cSld>
-  <p:clrMapOvr>
-    <a:masterClrMapping/>
-  </p:clrMapOvr>
-</p:sld>
-</file>
-
-<file path=ppt/slides/slide30.xml><?xml version="1.0" encoding="utf-8"?>
+<file path=ppt/slides/slide31.xml><?xml version="1.0" encoding="utf-8"?>
 <p:sld xmlns:a="http://schemas.openxmlformats.org/drawingml/2006/main" xmlns:r="http://schemas.openxmlformats.org/officeDocument/2006/relationships" xmlns:p="http://schemas.openxmlformats.org/presentationml/2006/main">
   <p:cSld>
     <p:spTree>
@@ -19461,7 +19469,7 @@
 </p:sld>
 </file>
 
-<file path=ppt/slides/slide31.xml><?xml version="1.0" encoding="utf-8"?>
+<file path=ppt/slides/slide32.xml><?xml version="1.0" encoding="utf-8"?>
 <p:sld xmlns:a="http://schemas.openxmlformats.org/drawingml/2006/main" xmlns:r="http://schemas.openxmlformats.org/officeDocument/2006/relationships" xmlns:p="http://schemas.openxmlformats.org/presentationml/2006/main">
   <p:cSld>
     <p:spTree>
@@ -23819,6 +23827,160 @@
           <a:chExt cx="0" cy="0"/>
         </a:xfrm>
       </p:grpSpPr>
+      <p:sp>
+        <p:nvSpPr>
+          <p:cNvPr id="2" name="Title 1"/>
+          <p:cNvSpPr>
+            <a:spLocks noGrp="1"/>
+          </p:cNvSpPr>
+          <p:nvPr>
+            <p:ph type="title"/>
+          </p:nvPr>
+        </p:nvSpPr>
+        <p:spPr/>
+        <p:txBody>
+          <a:bodyPr/>
+          <a:lstStyle/>
+          <a:p>
+            <a:r>
+              <a:rPr lang="en-US" dirty="0"/>
+              <a:t>N Queens using Backtracking</a:t>
+            </a:r>
+          </a:p>
+        </p:txBody>
+      </p:sp>
+      <p:sp>
+        <p:nvSpPr>
+          <p:cNvPr id="3" name="Content Placeholder 2"/>
+          <p:cNvSpPr>
+            <a:spLocks noGrp="1"/>
+          </p:cNvSpPr>
+          <p:nvPr>
+            <p:ph idx="1"/>
+          </p:nvPr>
+        </p:nvSpPr>
+        <p:spPr/>
+        <p:txBody>
+          <a:bodyPr/>
+          <a:lstStyle/>
+          <a:p>
+            <a:pPr marL="565785" indent="-565785">
+              <a:buAutoNum type="arabicPeriod"/>
+            </a:pPr>
+            <a:r>
+              <a:rPr lang="en-US" sz="2200" dirty="0"/>
+              <a:t>Start in leftmost column</a:t>
+            </a:r>
+          </a:p>
+          <a:p>
+            <a:pPr marL="565785" indent="-565785">
+              <a:buAutoNum type="arabicPeriod"/>
+            </a:pPr>
+            <a:r>
+              <a:rPr lang="en-US" sz="2200" dirty="0"/>
+              <a:t>If all queens are placed return true</a:t>
+            </a:r>
+          </a:p>
+          <a:p>
+            <a:pPr marL="565785" indent="-565785">
+              <a:buAutoNum type="arabicPeriod"/>
+            </a:pPr>
+            <a:r>
+              <a:rPr lang="en-US" sz="2200" dirty="0"/>
+              <a:t>For each row in the current column:</a:t>
+            </a:r>
+          </a:p>
+          <a:p>
+            <a:pPr marL="895755" lvl="1" indent="-502920">
+              <a:buAutoNum type="alphaLcPeriod"/>
+            </a:pPr>
+            <a:r>
+              <a:rPr lang="en-US" sz="1980" dirty="0"/>
+              <a:t>If queen can be safely placed in this row, then mark [row, col] as part of the solution and recursively check if this board leads to solution.</a:t>
+            </a:r>
+          </a:p>
+          <a:p>
+            <a:pPr marL="895755" lvl="1" indent="-502920">
+              <a:buAutoNum type="alphaLcPeriod"/>
+            </a:pPr>
+            <a:r>
+              <a:rPr lang="en-US" sz="1980" dirty="0"/>
+              <a:t>If it leads to solution, return true</a:t>
+            </a:r>
+          </a:p>
+          <a:p>
+            <a:pPr marL="895755" lvl="1" indent="-502920">
+              <a:buAutoNum type="alphaLcPeriod"/>
+            </a:pPr>
+            <a:r>
+              <a:rPr lang="en-US" sz="1980" dirty="0"/>
+              <a:t>Else, unmark[row, col] (backtrack) and go to next row (step 3)</a:t>
+            </a:r>
+          </a:p>
+          <a:p>
+            <a:pPr marL="502920" indent="-502920">
+              <a:buAutoNum type="arabicPeriod"/>
+            </a:pPr>
+            <a:r>
+              <a:rPr lang="en-US" sz="2200" dirty="0"/>
+              <a:t>If no rows work, then return false (triggering backtrack)</a:t>
+            </a:r>
+          </a:p>
+        </p:txBody>
+      </p:sp>
+      <p:sp>
+        <p:nvSpPr>
+          <p:cNvPr id="4" name="Slide Number Placeholder 3"/>
+          <p:cNvSpPr>
+            <a:spLocks noGrp="1"/>
+          </p:cNvSpPr>
+          <p:nvPr>
+            <p:ph type="sldNum" sz="quarter" idx="12"/>
+          </p:nvPr>
+        </p:nvSpPr>
+        <p:spPr/>
+        <p:txBody>
+          <a:bodyPr/>
+          <a:lstStyle/>
+          <a:p>
+            <a:fld id="{F255BA99-A757-423D-A7DE-70319E534CAA}" type="slidenum">
+              <a:rPr lang="en-US" smtClean="0"/>
+              <a:t>4</a:t>
+            </a:fld>
+            <a:endParaRPr lang="en-US"/>
+          </a:p>
+        </p:txBody>
+      </p:sp>
+    </p:spTree>
+    <p:extLst>
+      <p:ext uri="{BB962C8B-B14F-4D97-AF65-F5344CB8AC3E}">
+        <p14:creationId xmlns:p14="http://schemas.microsoft.com/office/powerpoint/2010/main" val="648181559"/>
+      </p:ext>
+    </p:extLst>
+  </p:cSld>
+  <p:clrMapOvr>
+    <a:masterClrMapping/>
+  </p:clrMapOvr>
+</p:sld>
+</file>
+
+<file path=ppt/slides/slide5.xml><?xml version="1.0" encoding="utf-8"?>
+<p:sld xmlns:a="http://schemas.openxmlformats.org/drawingml/2006/main" xmlns:r="http://schemas.openxmlformats.org/officeDocument/2006/relationships" xmlns:p="http://schemas.openxmlformats.org/presentationml/2006/main">
+  <p:cSld>
+    <p:spTree>
+      <p:nvGrpSpPr>
+        <p:cNvPr id="1" name=""/>
+        <p:cNvGrpSpPr/>
+        <p:nvPr/>
+      </p:nvGrpSpPr>
+      <p:grpSpPr>
+        <a:xfrm>
+          <a:off x="0" y="0"/>
+          <a:ext cx="0" cy="0"/>
+          <a:chOff x="0" y="0"/>
+          <a:chExt cx="0" cy="0"/>
+        </a:xfrm>
+      </p:grpSpPr>
       <p:pic>
         <p:nvPicPr>
           <p:cNvPr id="1028" name="Picture 4" descr="N Queen Problem Recursion explaination">
@@ -23877,7 +24039,7 @@
 </p:sld>
 </file>
 
-<file path=ppt/slides/slide5.xml><?xml version="1.0" encoding="utf-8"?>
+<file path=ppt/slides/slide6.xml><?xml version="1.0" encoding="utf-8"?>
 <p:sld xmlns:a="http://schemas.openxmlformats.org/drawingml/2006/main" xmlns:r="http://schemas.openxmlformats.org/officeDocument/2006/relationships" xmlns:p="http://schemas.openxmlformats.org/presentationml/2006/main">
   <p:cSld>
     <p:spTree>
@@ -23952,7 +24114,7 @@
 </p:sld>
 </file>
 
-<file path=ppt/slides/slide6.xml><?xml version="1.0" encoding="utf-8"?>
+<file path=ppt/slides/slide7.xml><?xml version="1.0" encoding="utf-8"?>
 <p:sld xmlns:a="http://schemas.openxmlformats.org/drawingml/2006/main" xmlns:r="http://schemas.openxmlformats.org/officeDocument/2006/relationships" xmlns:p="http://schemas.openxmlformats.org/presentationml/2006/main">
   <p:cSld>
     <p:spTree>
@@ -24027,7 +24189,7 @@
 </p:sld>
 </file>
 
-<file path=ppt/slides/slide7.xml><?xml version="1.0" encoding="utf-8"?>
+<file path=ppt/slides/slide8.xml><?xml version="1.0" encoding="utf-8"?>
 <p:sld xmlns:a="http://schemas.openxmlformats.org/drawingml/2006/main" xmlns:r="http://schemas.openxmlformats.org/officeDocument/2006/relationships" xmlns:p="http://schemas.openxmlformats.org/presentationml/2006/main">
   <p:cSld>
     <p:spTree>
@@ -24102,7 +24264,7 @@
 </p:sld>
 </file>
 
-<file path=ppt/slides/slide8.xml><?xml version="1.0" encoding="utf-8"?>
+<file path=ppt/slides/slide9.xml><?xml version="1.0" encoding="utf-8"?>
 <p:sld xmlns:a="http://schemas.openxmlformats.org/drawingml/2006/main" xmlns:r="http://schemas.openxmlformats.org/officeDocument/2006/relationships" xmlns:p="http://schemas.openxmlformats.org/presentationml/2006/main">
   <p:cSld>
     <p:spTree>
@@ -24168,81 +24330,6 @@
     <p:extLst>
       <p:ext uri="{BB962C8B-B14F-4D97-AF65-F5344CB8AC3E}">
         <p14:creationId xmlns:p14="http://schemas.microsoft.com/office/powerpoint/2010/main" val="776444318"/>
-      </p:ext>
-    </p:extLst>
-  </p:cSld>
-  <p:clrMapOvr>
-    <a:masterClrMapping/>
-  </p:clrMapOvr>
-</p:sld>
-</file>
-
-<file path=ppt/slides/slide9.xml><?xml version="1.0" encoding="utf-8"?>
-<p:sld xmlns:a="http://schemas.openxmlformats.org/drawingml/2006/main" xmlns:r="http://schemas.openxmlformats.org/officeDocument/2006/relationships" xmlns:p="http://schemas.openxmlformats.org/presentationml/2006/main">
-  <p:cSld>
-    <p:spTree>
-      <p:nvGrpSpPr>
-        <p:cNvPr id="1" name=""/>
-        <p:cNvGrpSpPr/>
-        <p:nvPr/>
-      </p:nvGrpSpPr>
-      <p:grpSpPr>
-        <a:xfrm>
-          <a:off x="0" y="0"/>
-          <a:ext cx="0" cy="0"/>
-          <a:chOff x="0" y="0"/>
-          <a:chExt cx="0" cy="0"/>
-        </a:xfrm>
-      </p:grpSpPr>
-      <p:pic>
-        <p:nvPicPr>
-          <p:cNvPr id="6146" name="Picture 2" descr="N Queen Problem Recursion explaination">
-            <a:extLst>
-              <a:ext uri="{FF2B5EF4-FFF2-40B4-BE49-F238E27FC236}">
-                <a16:creationId xmlns:a16="http://schemas.microsoft.com/office/drawing/2014/main" id="{DB447D49-EF67-43DB-9ABA-410FBA77388C}"/>
-              </a:ext>
-            </a:extLst>
-          </p:cNvPr>
-          <p:cNvPicPr>
-            <a:picLocks noChangeAspect="1" noChangeArrowheads="1"/>
-          </p:cNvPicPr>
-          <p:nvPr/>
-        </p:nvPicPr>
-        <p:blipFill rotWithShape="1">
-          <a:blip r:embed="rId2">
-            <a:extLst>
-              <a:ext uri="{28A0092B-C50C-407E-A947-70E740481C1C}">
-                <a14:useLocalDpi xmlns:a14="http://schemas.microsoft.com/office/drawing/2010/main" val="0"/>
-              </a:ext>
-            </a:extLst>
-          </a:blip>
-          <a:srcRect b="9697"/>
-          <a:stretch/>
-        </p:blipFill>
-        <p:spPr bwMode="auto">
-          <a:xfrm>
-            <a:off x="457200" y="457200"/>
-            <a:ext cx="9144000" cy="6192982"/>
-          </a:xfrm>
-          <a:prstGeom prst="rect">
-            <a:avLst/>
-          </a:prstGeom>
-          <a:noFill/>
-          <a:extLst>
-            <a:ext uri="{909E8E84-426E-40DD-AFC4-6F175D3DCCD1}">
-              <a14:hiddenFill xmlns:a14="http://schemas.microsoft.com/office/drawing/2010/main">
-                <a:solidFill>
-                  <a:srgbClr val="FFFFFF"/>
-                </a:solidFill>
-              </a14:hiddenFill>
-            </a:ext>
-          </a:extLst>
-        </p:spPr>
-      </p:pic>
-    </p:spTree>
-    <p:extLst>
-      <p:ext uri="{BB962C8B-B14F-4D97-AF65-F5344CB8AC3E}">
-        <p14:creationId xmlns:p14="http://schemas.microsoft.com/office/powerpoint/2010/main" val="929178324"/>
       </p:ext>
     </p:extLst>
   </p:cSld>

--- a/Lecture#15/Lecture_15_presentationC.pptx
+++ b/Lecture#15/Lecture_15_presentationC.pptx
@@ -7,44 +7,43 @@
     <p:sldMasterId id="2147483671" r:id="rId3"/>
   </p:sldMasterIdLst>
   <p:notesMasterIdLst>
-    <p:notesMasterId r:id="rId36"/>
+    <p:notesMasterId r:id="rId35"/>
   </p:notesMasterIdLst>
   <p:handoutMasterIdLst>
-    <p:handoutMasterId r:id="rId37"/>
+    <p:handoutMasterId r:id="rId36"/>
   </p:handoutMasterIdLst>
   <p:sldIdLst>
     <p:sldId id="260" r:id="rId4"/>
     <p:sldId id="384" r:id="rId5"/>
-    <p:sldId id="428" r:id="rId6"/>
-    <p:sldId id="479" r:id="rId7"/>
-    <p:sldId id="393" r:id="rId8"/>
-    <p:sldId id="394" r:id="rId9"/>
-    <p:sldId id="426" r:id="rId10"/>
-    <p:sldId id="401" r:id="rId11"/>
-    <p:sldId id="402" r:id="rId12"/>
-    <p:sldId id="403" r:id="rId13"/>
-    <p:sldId id="404" r:id="rId14"/>
-    <p:sldId id="405" r:id="rId15"/>
-    <p:sldId id="406" r:id="rId16"/>
-    <p:sldId id="407" r:id="rId17"/>
-    <p:sldId id="408" r:id="rId18"/>
-    <p:sldId id="409" r:id="rId19"/>
-    <p:sldId id="410" r:id="rId20"/>
-    <p:sldId id="411" r:id="rId21"/>
-    <p:sldId id="413" r:id="rId22"/>
-    <p:sldId id="412" r:id="rId23"/>
-    <p:sldId id="414" r:id="rId24"/>
-    <p:sldId id="415" r:id="rId25"/>
-    <p:sldId id="416" r:id="rId26"/>
-    <p:sldId id="377" r:id="rId27"/>
-    <p:sldId id="385" r:id="rId28"/>
-    <p:sldId id="386" r:id="rId29"/>
-    <p:sldId id="417" r:id="rId30"/>
-    <p:sldId id="427" r:id="rId31"/>
-    <p:sldId id="418" r:id="rId32"/>
-    <p:sldId id="389" r:id="rId33"/>
-    <p:sldId id="390" r:id="rId34"/>
-    <p:sldId id="391" r:id="rId35"/>
+    <p:sldId id="479" r:id="rId6"/>
+    <p:sldId id="393" r:id="rId7"/>
+    <p:sldId id="394" r:id="rId8"/>
+    <p:sldId id="426" r:id="rId9"/>
+    <p:sldId id="401" r:id="rId10"/>
+    <p:sldId id="402" r:id="rId11"/>
+    <p:sldId id="403" r:id="rId12"/>
+    <p:sldId id="404" r:id="rId13"/>
+    <p:sldId id="405" r:id="rId14"/>
+    <p:sldId id="406" r:id="rId15"/>
+    <p:sldId id="407" r:id="rId16"/>
+    <p:sldId id="408" r:id="rId17"/>
+    <p:sldId id="409" r:id="rId18"/>
+    <p:sldId id="410" r:id="rId19"/>
+    <p:sldId id="411" r:id="rId20"/>
+    <p:sldId id="413" r:id="rId21"/>
+    <p:sldId id="412" r:id="rId22"/>
+    <p:sldId id="414" r:id="rId23"/>
+    <p:sldId id="415" r:id="rId24"/>
+    <p:sldId id="416" r:id="rId25"/>
+    <p:sldId id="377" r:id="rId26"/>
+    <p:sldId id="385" r:id="rId27"/>
+    <p:sldId id="386" r:id="rId28"/>
+    <p:sldId id="417" r:id="rId29"/>
+    <p:sldId id="427" r:id="rId30"/>
+    <p:sldId id="418" r:id="rId31"/>
+    <p:sldId id="389" r:id="rId32"/>
+    <p:sldId id="390" r:id="rId33"/>
+    <p:sldId id="391" r:id="rId34"/>
   </p:sldIdLst>
   <p:sldSz cx="10058400" cy="7772400"/>
   <p:notesSz cx="7315200" cy="9601200"/>
@@ -4353,81 +4352,6 @@
       </p:grpSpPr>
       <p:pic>
         <p:nvPicPr>
-          <p:cNvPr id="6146" name="Picture 2" descr="N Queen Problem Recursion explaination">
-            <a:extLst>
-              <a:ext uri="{FF2B5EF4-FFF2-40B4-BE49-F238E27FC236}">
-                <a16:creationId xmlns:a16="http://schemas.microsoft.com/office/drawing/2014/main" id="{DB447D49-EF67-43DB-9ABA-410FBA77388C}"/>
-              </a:ext>
-            </a:extLst>
-          </p:cNvPr>
-          <p:cNvPicPr>
-            <a:picLocks noChangeAspect="1" noChangeArrowheads="1"/>
-          </p:cNvPicPr>
-          <p:nvPr/>
-        </p:nvPicPr>
-        <p:blipFill rotWithShape="1">
-          <a:blip r:embed="rId2">
-            <a:extLst>
-              <a:ext uri="{28A0092B-C50C-407E-A947-70E740481C1C}">
-                <a14:useLocalDpi xmlns:a14="http://schemas.microsoft.com/office/drawing/2010/main" val="0"/>
-              </a:ext>
-            </a:extLst>
-          </a:blip>
-          <a:srcRect b="9697"/>
-          <a:stretch/>
-        </p:blipFill>
-        <p:spPr bwMode="auto">
-          <a:xfrm>
-            <a:off x="457200" y="457200"/>
-            <a:ext cx="9144000" cy="6192982"/>
-          </a:xfrm>
-          <a:prstGeom prst="rect">
-            <a:avLst/>
-          </a:prstGeom>
-          <a:noFill/>
-          <a:extLst>
-            <a:ext uri="{909E8E84-426E-40DD-AFC4-6F175D3DCCD1}">
-              <a14:hiddenFill xmlns:a14="http://schemas.microsoft.com/office/drawing/2010/main">
-                <a:solidFill>
-                  <a:srgbClr val="FFFFFF"/>
-                </a:solidFill>
-              </a14:hiddenFill>
-            </a:ext>
-          </a:extLst>
-        </p:spPr>
-      </p:pic>
-    </p:spTree>
-    <p:extLst>
-      <p:ext uri="{BB962C8B-B14F-4D97-AF65-F5344CB8AC3E}">
-        <p14:creationId xmlns:p14="http://schemas.microsoft.com/office/powerpoint/2010/main" val="929178324"/>
-      </p:ext>
-    </p:extLst>
-  </p:cSld>
-  <p:clrMapOvr>
-    <a:masterClrMapping/>
-  </p:clrMapOvr>
-</p:sld>
-</file>
-
-<file path=ppt/slides/slide11.xml><?xml version="1.0" encoding="utf-8"?>
-<p:sld xmlns:a="http://schemas.openxmlformats.org/drawingml/2006/main" xmlns:r="http://schemas.openxmlformats.org/officeDocument/2006/relationships" xmlns:p="http://schemas.openxmlformats.org/presentationml/2006/main">
-  <p:cSld>
-    <p:spTree>
-      <p:nvGrpSpPr>
-        <p:cNvPr id="1" name=""/>
-        <p:cNvGrpSpPr/>
-        <p:nvPr/>
-      </p:nvGrpSpPr>
-      <p:grpSpPr>
-        <a:xfrm>
-          <a:off x="0" y="0"/>
-          <a:ext cx="0" cy="0"/>
-          <a:chOff x="0" y="0"/>
-          <a:chExt cx="0" cy="0"/>
-        </a:xfrm>
-      </p:grpSpPr>
-      <p:pic>
-        <p:nvPicPr>
           <p:cNvPr id="7170" name="Picture 2" descr="N Queen Problem Recursion explaination">
             <a:extLst>
               <a:ext uri="{FF2B5EF4-FFF2-40B4-BE49-F238E27FC236}">
@@ -4484,7 +4408,7 @@
 </p:sld>
 </file>
 
-<file path=ppt/slides/slide12.xml><?xml version="1.0" encoding="utf-8"?>
+<file path=ppt/slides/slide11.xml><?xml version="1.0" encoding="utf-8"?>
 <p:sld xmlns:a="http://schemas.openxmlformats.org/drawingml/2006/main" xmlns:r="http://schemas.openxmlformats.org/officeDocument/2006/relationships" xmlns:p="http://schemas.openxmlformats.org/presentationml/2006/main">
   <p:cSld>
     <p:spTree>
@@ -4559,7 +4483,7 @@
 </p:sld>
 </file>
 
-<file path=ppt/slides/slide13.xml><?xml version="1.0" encoding="utf-8"?>
+<file path=ppt/slides/slide12.xml><?xml version="1.0" encoding="utf-8"?>
 <p:sld xmlns:a="http://schemas.openxmlformats.org/drawingml/2006/main" xmlns:r="http://schemas.openxmlformats.org/officeDocument/2006/relationships" xmlns:p="http://schemas.openxmlformats.org/presentationml/2006/main">
   <p:cSld>
     <p:spTree>
@@ -4634,7 +4558,7 @@
 </p:sld>
 </file>
 
-<file path=ppt/slides/slide14.xml><?xml version="1.0" encoding="utf-8"?>
+<file path=ppt/slides/slide13.xml><?xml version="1.0" encoding="utf-8"?>
 <p:sld xmlns:a="http://schemas.openxmlformats.org/drawingml/2006/main" xmlns:r="http://schemas.openxmlformats.org/officeDocument/2006/relationships" xmlns:p="http://schemas.openxmlformats.org/presentationml/2006/main">
   <p:cSld>
     <p:spTree>
@@ -4709,7 +4633,7 @@
 </p:sld>
 </file>
 
-<file path=ppt/slides/slide15.xml><?xml version="1.0" encoding="utf-8"?>
+<file path=ppt/slides/slide14.xml><?xml version="1.0" encoding="utf-8"?>
 <p:sld xmlns:a="http://schemas.openxmlformats.org/drawingml/2006/main" xmlns:r="http://schemas.openxmlformats.org/officeDocument/2006/relationships" xmlns:p="http://schemas.openxmlformats.org/presentationml/2006/main">
   <p:cSld>
     <p:spTree>
@@ -4784,7 +4708,7 @@
 </p:sld>
 </file>
 
-<file path=ppt/slides/slide16.xml><?xml version="1.0" encoding="utf-8"?>
+<file path=ppt/slides/slide15.xml><?xml version="1.0" encoding="utf-8"?>
 <p:sld xmlns:a="http://schemas.openxmlformats.org/drawingml/2006/main" xmlns:r="http://schemas.openxmlformats.org/officeDocument/2006/relationships" xmlns:p="http://schemas.openxmlformats.org/presentationml/2006/main">
   <p:cSld>
     <p:spTree>
@@ -4859,7 +4783,7 @@
 </p:sld>
 </file>
 
-<file path=ppt/slides/slide17.xml><?xml version="1.0" encoding="utf-8"?>
+<file path=ppt/slides/slide16.xml><?xml version="1.0" encoding="utf-8"?>
 <p:sld xmlns:a="http://schemas.openxmlformats.org/drawingml/2006/main" xmlns:r="http://schemas.openxmlformats.org/officeDocument/2006/relationships" xmlns:p="http://schemas.openxmlformats.org/presentationml/2006/main">
   <p:cSld>
     <p:spTree>
@@ -4934,7 +4858,7 @@
 </p:sld>
 </file>
 
-<file path=ppt/slides/slide18.xml><?xml version="1.0" encoding="utf-8"?>
+<file path=ppt/slides/slide17.xml><?xml version="1.0" encoding="utf-8"?>
 <p:sld xmlns:a="http://schemas.openxmlformats.org/drawingml/2006/main" xmlns:r="http://schemas.openxmlformats.org/officeDocument/2006/relationships" xmlns:p="http://schemas.openxmlformats.org/presentationml/2006/main">
   <p:cSld>
     <p:spTree>
@@ -5009,7 +4933,7 @@
 </p:sld>
 </file>
 
-<file path=ppt/slides/slide19.xml><?xml version="1.0" encoding="utf-8"?>
+<file path=ppt/slides/slide18.xml><?xml version="1.0" encoding="utf-8"?>
 <p:sld xmlns:a="http://schemas.openxmlformats.org/drawingml/2006/main" xmlns:r="http://schemas.openxmlformats.org/officeDocument/2006/relationships" xmlns:p="http://schemas.openxmlformats.org/presentationml/2006/main">
   <p:cSld>
     <p:spTree>
@@ -5075,6 +4999,81 @@
     <p:extLst>
       <p:ext uri="{BB962C8B-B14F-4D97-AF65-F5344CB8AC3E}">
         <p14:creationId xmlns:p14="http://schemas.microsoft.com/office/powerpoint/2010/main" val="1207700624"/>
+      </p:ext>
+    </p:extLst>
+  </p:cSld>
+  <p:clrMapOvr>
+    <a:masterClrMapping/>
+  </p:clrMapOvr>
+</p:sld>
+</file>
+
+<file path=ppt/slides/slide19.xml><?xml version="1.0" encoding="utf-8"?>
+<p:sld xmlns:a="http://schemas.openxmlformats.org/drawingml/2006/main" xmlns:r="http://schemas.openxmlformats.org/officeDocument/2006/relationships" xmlns:p="http://schemas.openxmlformats.org/presentationml/2006/main">
+  <p:cSld>
+    <p:spTree>
+      <p:nvGrpSpPr>
+        <p:cNvPr id="1" name=""/>
+        <p:cNvGrpSpPr/>
+        <p:nvPr/>
+      </p:nvGrpSpPr>
+      <p:grpSpPr>
+        <a:xfrm>
+          <a:off x="0" y="0"/>
+          <a:ext cx="0" cy="0"/>
+          <a:chOff x="0" y="0"/>
+          <a:chExt cx="0" cy="0"/>
+        </a:xfrm>
+      </p:grpSpPr>
+      <p:pic>
+        <p:nvPicPr>
+          <p:cNvPr id="16386" name="Picture 2" descr="N Queen Problem Recursion explaination">
+            <a:extLst>
+              <a:ext uri="{FF2B5EF4-FFF2-40B4-BE49-F238E27FC236}">
+                <a16:creationId xmlns:a16="http://schemas.microsoft.com/office/drawing/2014/main" id="{C444D219-317D-4745-9794-8BFE47C66C14}"/>
+              </a:ext>
+            </a:extLst>
+          </p:cNvPr>
+          <p:cNvPicPr>
+            <a:picLocks noChangeAspect="1" noChangeArrowheads="1"/>
+          </p:cNvPicPr>
+          <p:nvPr/>
+        </p:nvPicPr>
+        <p:blipFill rotWithShape="1">
+          <a:blip r:embed="rId2">
+            <a:extLst>
+              <a:ext uri="{28A0092B-C50C-407E-A947-70E740481C1C}">
+                <a14:useLocalDpi xmlns:a14="http://schemas.microsoft.com/office/drawing/2010/main" val="0"/>
+              </a:ext>
+            </a:extLst>
+          </a:blip>
+          <a:srcRect b="9023"/>
+          <a:stretch/>
+        </p:blipFill>
+        <p:spPr bwMode="auto">
+          <a:xfrm>
+            <a:off x="457200" y="457200"/>
+            <a:ext cx="9144000" cy="6239164"/>
+          </a:xfrm>
+          <a:prstGeom prst="rect">
+            <a:avLst/>
+          </a:prstGeom>
+          <a:noFill/>
+          <a:extLst>
+            <a:ext uri="{909E8E84-426E-40DD-AFC4-6F175D3DCCD1}">
+              <a14:hiddenFill xmlns:a14="http://schemas.microsoft.com/office/drawing/2010/main">
+                <a:solidFill>
+                  <a:srgbClr val="FFFFFF"/>
+                </a:solidFill>
+              </a14:hiddenFill>
+            </a:ext>
+          </a:extLst>
+        </p:spPr>
+      </p:pic>
+    </p:spTree>
+    <p:extLst>
+      <p:ext uri="{BB962C8B-B14F-4D97-AF65-F5344CB8AC3E}">
+        <p14:creationId xmlns:p14="http://schemas.microsoft.com/office/powerpoint/2010/main" val="1333183250"/>
       </p:ext>
     </p:extLst>
   </p:cSld>
@@ -5764,81 +5763,6 @@
       </p:grpSpPr>
       <p:pic>
         <p:nvPicPr>
-          <p:cNvPr id="16386" name="Picture 2" descr="N Queen Problem Recursion explaination">
-            <a:extLst>
-              <a:ext uri="{FF2B5EF4-FFF2-40B4-BE49-F238E27FC236}">
-                <a16:creationId xmlns:a16="http://schemas.microsoft.com/office/drawing/2014/main" id="{C444D219-317D-4745-9794-8BFE47C66C14}"/>
-              </a:ext>
-            </a:extLst>
-          </p:cNvPr>
-          <p:cNvPicPr>
-            <a:picLocks noChangeAspect="1" noChangeArrowheads="1"/>
-          </p:cNvPicPr>
-          <p:nvPr/>
-        </p:nvPicPr>
-        <p:blipFill rotWithShape="1">
-          <a:blip r:embed="rId2">
-            <a:extLst>
-              <a:ext uri="{28A0092B-C50C-407E-A947-70E740481C1C}">
-                <a14:useLocalDpi xmlns:a14="http://schemas.microsoft.com/office/drawing/2010/main" val="0"/>
-              </a:ext>
-            </a:extLst>
-          </a:blip>
-          <a:srcRect b="9023"/>
-          <a:stretch/>
-        </p:blipFill>
-        <p:spPr bwMode="auto">
-          <a:xfrm>
-            <a:off x="457200" y="457200"/>
-            <a:ext cx="9144000" cy="6239164"/>
-          </a:xfrm>
-          <a:prstGeom prst="rect">
-            <a:avLst/>
-          </a:prstGeom>
-          <a:noFill/>
-          <a:extLst>
-            <a:ext uri="{909E8E84-426E-40DD-AFC4-6F175D3DCCD1}">
-              <a14:hiddenFill xmlns:a14="http://schemas.microsoft.com/office/drawing/2010/main">
-                <a:solidFill>
-                  <a:srgbClr val="FFFFFF"/>
-                </a:solidFill>
-              </a14:hiddenFill>
-            </a:ext>
-          </a:extLst>
-        </p:spPr>
-      </p:pic>
-    </p:spTree>
-    <p:extLst>
-      <p:ext uri="{BB962C8B-B14F-4D97-AF65-F5344CB8AC3E}">
-        <p14:creationId xmlns:p14="http://schemas.microsoft.com/office/powerpoint/2010/main" val="1333183250"/>
-      </p:ext>
-    </p:extLst>
-  </p:cSld>
-  <p:clrMapOvr>
-    <a:masterClrMapping/>
-  </p:clrMapOvr>
-</p:sld>
-</file>
-
-<file path=ppt/slides/slide21.xml><?xml version="1.0" encoding="utf-8"?>
-<p:sld xmlns:a="http://schemas.openxmlformats.org/drawingml/2006/main" xmlns:r="http://schemas.openxmlformats.org/officeDocument/2006/relationships" xmlns:p="http://schemas.openxmlformats.org/presentationml/2006/main">
-  <p:cSld>
-    <p:spTree>
-      <p:nvGrpSpPr>
-        <p:cNvPr id="1" name=""/>
-        <p:cNvGrpSpPr/>
-        <p:nvPr/>
-      </p:nvGrpSpPr>
-      <p:grpSpPr>
-        <a:xfrm>
-          <a:off x="0" y="0"/>
-          <a:ext cx="0" cy="0"/>
-          <a:chOff x="0" y="0"/>
-          <a:chExt cx="0" cy="0"/>
-        </a:xfrm>
-      </p:grpSpPr>
-      <p:pic>
-        <p:nvPicPr>
           <p:cNvPr id="17410" name="Picture 2" descr="N Queen Problem Recursion explaination">
             <a:extLst>
               <a:ext uri="{FF2B5EF4-FFF2-40B4-BE49-F238E27FC236}">
@@ -5895,7 +5819,7 @@
 </p:sld>
 </file>
 
-<file path=ppt/slides/slide22.xml><?xml version="1.0" encoding="utf-8"?>
+<file path=ppt/slides/slide21.xml><?xml version="1.0" encoding="utf-8"?>
 <p:sld xmlns:a="http://schemas.openxmlformats.org/drawingml/2006/main" xmlns:r="http://schemas.openxmlformats.org/officeDocument/2006/relationships" xmlns:p="http://schemas.openxmlformats.org/presentationml/2006/main">
   <p:cSld>
     <p:spTree>
@@ -5970,7 +5894,7 @@
 </p:sld>
 </file>
 
-<file path=ppt/slides/slide23.xml><?xml version="1.0" encoding="utf-8"?>
+<file path=ppt/slides/slide22.xml><?xml version="1.0" encoding="utf-8"?>
 <p:sld xmlns:a="http://schemas.openxmlformats.org/drawingml/2006/main" xmlns:r="http://schemas.openxmlformats.org/officeDocument/2006/relationships" xmlns:p="http://schemas.openxmlformats.org/presentationml/2006/main">
   <p:cSld>
     <p:spTree>
@@ -6045,7 +5969,7 @@
 </p:sld>
 </file>
 
-<file path=ppt/slides/slide24.xml><?xml version="1.0" encoding="utf-8"?>
+<file path=ppt/slides/slide23.xml><?xml version="1.0" encoding="utf-8"?>
 <p:sld xmlns:a="http://schemas.openxmlformats.org/drawingml/2006/main" xmlns:r="http://schemas.openxmlformats.org/officeDocument/2006/relationships" xmlns:p="http://schemas.openxmlformats.org/presentationml/2006/main">
   <p:cSld>
     <p:spTree>
@@ -7414,7 +7338,7 @@
 </p:sld>
 </file>
 
-<file path=ppt/slides/slide25.xml><?xml version="1.0" encoding="utf-8"?>
+<file path=ppt/slides/slide24.xml><?xml version="1.0" encoding="utf-8"?>
 <p:sld xmlns:a="http://schemas.openxmlformats.org/drawingml/2006/main" xmlns:r="http://schemas.openxmlformats.org/officeDocument/2006/relationships" xmlns:p="http://schemas.openxmlformats.org/presentationml/2006/main">
   <p:cSld>
     <p:spTree>
@@ -8828,7 +8752,7 @@
 </p:sld>
 </file>
 
-<file path=ppt/slides/slide26.xml><?xml version="1.0" encoding="utf-8"?>
+<file path=ppt/slides/slide25.xml><?xml version="1.0" encoding="utf-8"?>
 <p:sld xmlns:a="http://schemas.openxmlformats.org/drawingml/2006/main" xmlns:r="http://schemas.openxmlformats.org/officeDocument/2006/relationships" xmlns:p="http://schemas.openxmlformats.org/presentationml/2006/main">
   <p:cSld>
     <p:spTree>
@@ -11212,7 +11136,7 @@
 </p:sld>
 </file>
 
-<file path=ppt/slides/slide27.xml><?xml version="1.0" encoding="utf-8"?>
+<file path=ppt/slides/slide26.xml><?xml version="1.0" encoding="utf-8"?>
 <p:sld xmlns:a="http://schemas.openxmlformats.org/drawingml/2006/main" xmlns:r="http://schemas.openxmlformats.org/officeDocument/2006/relationships" xmlns:p="http://schemas.openxmlformats.org/presentationml/2006/main">
   <p:cSld>
     <p:spTree>
@@ -11323,7 +11247,7 @@
 </p:sld>
 </file>
 
-<file path=ppt/slides/slide28.xml><?xml version="1.0" encoding="utf-8"?>
+<file path=ppt/slides/slide27.xml><?xml version="1.0" encoding="utf-8"?>
 <p:sld xmlns:a="http://schemas.openxmlformats.org/drawingml/2006/main" xmlns:r="http://schemas.openxmlformats.org/officeDocument/2006/relationships" xmlns:p="http://schemas.openxmlformats.org/presentationml/2006/main">
   <p:cSld>
     <p:spTree>
@@ -11434,7 +11358,7 @@
 </p:sld>
 </file>
 
-<file path=ppt/slides/slide29.xml><?xml version="1.0" encoding="utf-8"?>
+<file path=ppt/slides/slide28.xml><?xml version="1.0" encoding="utf-8"?>
 <p:sld xmlns:a="http://schemas.openxmlformats.org/drawingml/2006/main" xmlns:r="http://schemas.openxmlformats.org/officeDocument/2006/relationships" xmlns:p="http://schemas.openxmlformats.org/presentationml/2006/main">
   <p:cSld>
     <p:spTree>
@@ -11577,66 +11501,7 @@
 </p:sld>
 </file>
 
-<file path=ppt/slides/slide3.xml><?xml version="1.0" encoding="utf-8"?>
-<p:sld xmlns:a="http://schemas.openxmlformats.org/drawingml/2006/main" xmlns:r="http://schemas.openxmlformats.org/officeDocument/2006/relationships" xmlns:p="http://schemas.openxmlformats.org/presentationml/2006/main">
-  <p:cSld>
-    <p:spTree>
-      <p:nvGrpSpPr>
-        <p:cNvPr id="1" name=""/>
-        <p:cNvGrpSpPr/>
-        <p:nvPr/>
-      </p:nvGrpSpPr>
-      <p:grpSpPr>
-        <a:xfrm>
-          <a:off x="0" y="0"/>
-          <a:ext cx="0" cy="0"/>
-          <a:chOff x="0" y="0"/>
-          <a:chExt cx="0" cy="0"/>
-        </a:xfrm>
-      </p:grpSpPr>
-      <p:sp>
-        <p:nvSpPr>
-          <p:cNvPr id="4" name="Slide Number Placeholder 3">
-            <a:extLst>
-              <a:ext uri="{FF2B5EF4-FFF2-40B4-BE49-F238E27FC236}">
-                <a16:creationId xmlns:a16="http://schemas.microsoft.com/office/drawing/2014/main" id="{EC88B6A7-582A-4789-93BC-ECB2D91729BC}"/>
-              </a:ext>
-            </a:extLst>
-          </p:cNvPr>
-          <p:cNvSpPr>
-            <a:spLocks noGrp="1"/>
-          </p:cNvSpPr>
-          <p:nvPr>
-            <p:ph type="sldNum" sz="quarter" idx="12"/>
-          </p:nvPr>
-        </p:nvSpPr>
-        <p:spPr/>
-        <p:txBody>
-          <a:bodyPr/>
-          <a:lstStyle/>
-          <a:p>
-            <a:fld id="{F8E23C6C-DE4C-4D48-840F-A0C7177D948A}" type="slidenum">
-              <a:rPr lang="en-US" smtClean="0"/>
-              <a:t>3</a:t>
-            </a:fld>
-            <a:endParaRPr lang="en-US"/>
-          </a:p>
-        </p:txBody>
-      </p:sp>
-    </p:spTree>
-    <p:extLst>
-      <p:ext uri="{BB962C8B-B14F-4D97-AF65-F5344CB8AC3E}">
-        <p14:creationId xmlns:p14="http://schemas.microsoft.com/office/powerpoint/2010/main" val="1159932425"/>
-      </p:ext>
-    </p:extLst>
-  </p:cSld>
-  <p:clrMapOvr>
-    <a:masterClrMapping/>
-  </p:clrMapOvr>
-</p:sld>
-</file>
-
-<file path=ppt/slides/slide30.xml><?xml version="1.0" encoding="utf-8"?>
+<file path=ppt/slides/slide29.xml><?xml version="1.0" encoding="utf-8"?>
 <p:sld xmlns:a="http://schemas.openxmlformats.org/drawingml/2006/main" xmlns:r="http://schemas.openxmlformats.org/officeDocument/2006/relationships" xmlns:p="http://schemas.openxmlformats.org/presentationml/2006/main">
   <p:cSld>
     <p:spTree>
@@ -15068,7 +14933,161 @@
 </p:sld>
 </file>
 
-<file path=ppt/slides/slide31.xml><?xml version="1.0" encoding="utf-8"?>
+<file path=ppt/slides/slide3.xml><?xml version="1.0" encoding="utf-8"?>
+<p:sld xmlns:a="http://schemas.openxmlformats.org/drawingml/2006/main" xmlns:r="http://schemas.openxmlformats.org/officeDocument/2006/relationships" xmlns:p="http://schemas.openxmlformats.org/presentationml/2006/main">
+  <p:cSld>
+    <p:spTree>
+      <p:nvGrpSpPr>
+        <p:cNvPr id="1" name=""/>
+        <p:cNvGrpSpPr/>
+        <p:nvPr/>
+      </p:nvGrpSpPr>
+      <p:grpSpPr>
+        <a:xfrm>
+          <a:off x="0" y="0"/>
+          <a:ext cx="0" cy="0"/>
+          <a:chOff x="0" y="0"/>
+          <a:chExt cx="0" cy="0"/>
+        </a:xfrm>
+      </p:grpSpPr>
+      <p:sp>
+        <p:nvSpPr>
+          <p:cNvPr id="2" name="Title 1"/>
+          <p:cNvSpPr>
+            <a:spLocks noGrp="1"/>
+          </p:cNvSpPr>
+          <p:nvPr>
+            <p:ph type="title"/>
+          </p:nvPr>
+        </p:nvSpPr>
+        <p:spPr/>
+        <p:txBody>
+          <a:bodyPr/>
+          <a:lstStyle/>
+          <a:p>
+            <a:r>
+              <a:rPr lang="en-US" dirty="0"/>
+              <a:t>N Queens using Backtracking</a:t>
+            </a:r>
+          </a:p>
+        </p:txBody>
+      </p:sp>
+      <p:sp>
+        <p:nvSpPr>
+          <p:cNvPr id="3" name="Content Placeholder 2"/>
+          <p:cNvSpPr>
+            <a:spLocks noGrp="1"/>
+          </p:cNvSpPr>
+          <p:nvPr>
+            <p:ph idx="1"/>
+          </p:nvPr>
+        </p:nvSpPr>
+        <p:spPr/>
+        <p:txBody>
+          <a:bodyPr/>
+          <a:lstStyle/>
+          <a:p>
+            <a:pPr marL="565785" indent="-565785">
+              <a:buAutoNum type="arabicPeriod"/>
+            </a:pPr>
+            <a:r>
+              <a:rPr lang="en-US" sz="2200" dirty="0"/>
+              <a:t>Start in leftmost column</a:t>
+            </a:r>
+          </a:p>
+          <a:p>
+            <a:pPr marL="565785" indent="-565785">
+              <a:buAutoNum type="arabicPeriod"/>
+            </a:pPr>
+            <a:r>
+              <a:rPr lang="en-US" sz="2200" dirty="0"/>
+              <a:t>If all queens are placed return true</a:t>
+            </a:r>
+          </a:p>
+          <a:p>
+            <a:pPr marL="565785" indent="-565785">
+              <a:buAutoNum type="arabicPeriod"/>
+            </a:pPr>
+            <a:r>
+              <a:rPr lang="en-US" sz="2200" dirty="0"/>
+              <a:t>For each row in the current column:</a:t>
+            </a:r>
+          </a:p>
+          <a:p>
+            <a:pPr marL="895755" lvl="1" indent="-502920">
+              <a:buAutoNum type="alphaLcPeriod"/>
+            </a:pPr>
+            <a:r>
+              <a:rPr lang="en-US" sz="1980" dirty="0"/>
+              <a:t>If queen can be safely placed in this row, then mark [row, col] as part of the solution and recursively check if this board leads to solution.</a:t>
+            </a:r>
+          </a:p>
+          <a:p>
+            <a:pPr marL="895755" lvl="1" indent="-502920">
+              <a:buAutoNum type="alphaLcPeriod"/>
+            </a:pPr>
+            <a:r>
+              <a:rPr lang="en-US" sz="1980" dirty="0"/>
+              <a:t>If it leads to solution, return true</a:t>
+            </a:r>
+          </a:p>
+          <a:p>
+            <a:pPr marL="895755" lvl="1" indent="-502920">
+              <a:buAutoNum type="alphaLcPeriod"/>
+            </a:pPr>
+            <a:r>
+              <a:rPr lang="en-US" sz="1980" dirty="0"/>
+              <a:t>Else, unmark[row, col] (backtrack) and go to next row (step 3)</a:t>
+            </a:r>
+          </a:p>
+          <a:p>
+            <a:pPr marL="502920" indent="-502920">
+              <a:buAutoNum type="arabicPeriod"/>
+            </a:pPr>
+            <a:r>
+              <a:rPr lang="en-US" sz="2200" dirty="0"/>
+              <a:t>If no rows work, then return false (triggering backtrack)</a:t>
+            </a:r>
+          </a:p>
+        </p:txBody>
+      </p:sp>
+      <p:sp>
+        <p:nvSpPr>
+          <p:cNvPr id="4" name="Slide Number Placeholder 3"/>
+          <p:cNvSpPr>
+            <a:spLocks noGrp="1"/>
+          </p:cNvSpPr>
+          <p:nvPr>
+            <p:ph type="sldNum" sz="quarter" idx="12"/>
+          </p:nvPr>
+        </p:nvSpPr>
+        <p:spPr/>
+        <p:txBody>
+          <a:bodyPr/>
+          <a:lstStyle/>
+          <a:p>
+            <a:fld id="{F255BA99-A757-423D-A7DE-70319E534CAA}" type="slidenum">
+              <a:rPr lang="en-US" smtClean="0"/>
+              <a:t>3</a:t>
+            </a:fld>
+            <a:endParaRPr lang="en-US"/>
+          </a:p>
+        </p:txBody>
+      </p:sp>
+    </p:spTree>
+    <p:extLst>
+      <p:ext uri="{BB962C8B-B14F-4D97-AF65-F5344CB8AC3E}">
+        <p14:creationId xmlns:p14="http://schemas.microsoft.com/office/powerpoint/2010/main" val="648181559"/>
+      </p:ext>
+    </p:extLst>
+  </p:cSld>
+  <p:clrMapOvr>
+    <a:masterClrMapping/>
+  </p:clrMapOvr>
+</p:sld>
+</file>
+
+<file path=ppt/slides/slide30.xml><?xml version="1.0" encoding="utf-8"?>
 <p:sld xmlns:a="http://schemas.openxmlformats.org/drawingml/2006/main" xmlns:r="http://schemas.openxmlformats.org/officeDocument/2006/relationships" xmlns:p="http://schemas.openxmlformats.org/presentationml/2006/main">
   <p:cSld>
     <p:spTree>
@@ -19469,7 +19488,7 @@
 </p:sld>
 </file>
 
-<file path=ppt/slides/slide32.xml><?xml version="1.0" encoding="utf-8"?>
+<file path=ppt/slides/slide31.xml><?xml version="1.0" encoding="utf-8"?>
 <p:sld xmlns:a="http://schemas.openxmlformats.org/drawingml/2006/main" xmlns:r="http://schemas.openxmlformats.org/officeDocument/2006/relationships" xmlns:p="http://schemas.openxmlformats.org/presentationml/2006/main">
   <p:cSld>
     <p:spTree>
@@ -23827,160 +23846,6 @@
           <a:chExt cx="0" cy="0"/>
         </a:xfrm>
       </p:grpSpPr>
-      <p:sp>
-        <p:nvSpPr>
-          <p:cNvPr id="2" name="Title 1"/>
-          <p:cNvSpPr>
-            <a:spLocks noGrp="1"/>
-          </p:cNvSpPr>
-          <p:nvPr>
-            <p:ph type="title"/>
-          </p:nvPr>
-        </p:nvSpPr>
-        <p:spPr/>
-        <p:txBody>
-          <a:bodyPr/>
-          <a:lstStyle/>
-          <a:p>
-            <a:r>
-              <a:rPr lang="en-US" dirty="0"/>
-              <a:t>N Queens using Backtracking</a:t>
-            </a:r>
-          </a:p>
-        </p:txBody>
-      </p:sp>
-      <p:sp>
-        <p:nvSpPr>
-          <p:cNvPr id="3" name="Content Placeholder 2"/>
-          <p:cNvSpPr>
-            <a:spLocks noGrp="1"/>
-          </p:cNvSpPr>
-          <p:nvPr>
-            <p:ph idx="1"/>
-          </p:nvPr>
-        </p:nvSpPr>
-        <p:spPr/>
-        <p:txBody>
-          <a:bodyPr/>
-          <a:lstStyle/>
-          <a:p>
-            <a:pPr marL="565785" indent="-565785">
-              <a:buAutoNum type="arabicPeriod"/>
-            </a:pPr>
-            <a:r>
-              <a:rPr lang="en-US" sz="2200" dirty="0"/>
-              <a:t>Start in leftmost column</a:t>
-            </a:r>
-          </a:p>
-          <a:p>
-            <a:pPr marL="565785" indent="-565785">
-              <a:buAutoNum type="arabicPeriod"/>
-            </a:pPr>
-            <a:r>
-              <a:rPr lang="en-US" sz="2200" dirty="0"/>
-              <a:t>If all queens are placed return true</a:t>
-            </a:r>
-          </a:p>
-          <a:p>
-            <a:pPr marL="565785" indent="-565785">
-              <a:buAutoNum type="arabicPeriod"/>
-            </a:pPr>
-            <a:r>
-              <a:rPr lang="en-US" sz="2200" dirty="0"/>
-              <a:t>For each row in the current column:</a:t>
-            </a:r>
-          </a:p>
-          <a:p>
-            <a:pPr marL="895755" lvl="1" indent="-502920">
-              <a:buAutoNum type="alphaLcPeriod"/>
-            </a:pPr>
-            <a:r>
-              <a:rPr lang="en-US" sz="1980" dirty="0"/>
-              <a:t>If queen can be safely placed in this row, then mark [row, col] as part of the solution and recursively check if this board leads to solution.</a:t>
-            </a:r>
-          </a:p>
-          <a:p>
-            <a:pPr marL="895755" lvl="1" indent="-502920">
-              <a:buAutoNum type="alphaLcPeriod"/>
-            </a:pPr>
-            <a:r>
-              <a:rPr lang="en-US" sz="1980" dirty="0"/>
-              <a:t>If it leads to solution, return true</a:t>
-            </a:r>
-          </a:p>
-          <a:p>
-            <a:pPr marL="895755" lvl="1" indent="-502920">
-              <a:buAutoNum type="alphaLcPeriod"/>
-            </a:pPr>
-            <a:r>
-              <a:rPr lang="en-US" sz="1980" dirty="0"/>
-              <a:t>Else, unmark[row, col] (backtrack) and go to next row (step 3)</a:t>
-            </a:r>
-          </a:p>
-          <a:p>
-            <a:pPr marL="502920" indent="-502920">
-              <a:buAutoNum type="arabicPeriod"/>
-            </a:pPr>
-            <a:r>
-              <a:rPr lang="en-US" sz="2200" dirty="0"/>
-              <a:t>If no rows work, then return false (triggering backtrack)</a:t>
-            </a:r>
-          </a:p>
-        </p:txBody>
-      </p:sp>
-      <p:sp>
-        <p:nvSpPr>
-          <p:cNvPr id="4" name="Slide Number Placeholder 3"/>
-          <p:cNvSpPr>
-            <a:spLocks noGrp="1"/>
-          </p:cNvSpPr>
-          <p:nvPr>
-            <p:ph type="sldNum" sz="quarter" idx="12"/>
-          </p:nvPr>
-        </p:nvSpPr>
-        <p:spPr/>
-        <p:txBody>
-          <a:bodyPr/>
-          <a:lstStyle/>
-          <a:p>
-            <a:fld id="{F255BA99-A757-423D-A7DE-70319E534CAA}" type="slidenum">
-              <a:rPr lang="en-US" smtClean="0"/>
-              <a:t>4</a:t>
-            </a:fld>
-            <a:endParaRPr lang="en-US"/>
-          </a:p>
-        </p:txBody>
-      </p:sp>
-    </p:spTree>
-    <p:extLst>
-      <p:ext uri="{BB962C8B-B14F-4D97-AF65-F5344CB8AC3E}">
-        <p14:creationId xmlns:p14="http://schemas.microsoft.com/office/powerpoint/2010/main" val="648181559"/>
-      </p:ext>
-    </p:extLst>
-  </p:cSld>
-  <p:clrMapOvr>
-    <a:masterClrMapping/>
-  </p:clrMapOvr>
-</p:sld>
-</file>
-
-<file path=ppt/slides/slide5.xml><?xml version="1.0" encoding="utf-8"?>
-<p:sld xmlns:a="http://schemas.openxmlformats.org/drawingml/2006/main" xmlns:r="http://schemas.openxmlformats.org/officeDocument/2006/relationships" xmlns:p="http://schemas.openxmlformats.org/presentationml/2006/main">
-  <p:cSld>
-    <p:spTree>
-      <p:nvGrpSpPr>
-        <p:cNvPr id="1" name=""/>
-        <p:cNvGrpSpPr/>
-        <p:nvPr/>
-      </p:nvGrpSpPr>
-      <p:grpSpPr>
-        <a:xfrm>
-          <a:off x="0" y="0"/>
-          <a:ext cx="0" cy="0"/>
-          <a:chOff x="0" y="0"/>
-          <a:chExt cx="0" cy="0"/>
-        </a:xfrm>
-      </p:grpSpPr>
       <p:pic>
         <p:nvPicPr>
           <p:cNvPr id="1028" name="Picture 4" descr="N Queen Problem Recursion explaination">
@@ -24039,7 +23904,7 @@
 </p:sld>
 </file>
 
-<file path=ppt/slides/slide6.xml><?xml version="1.0" encoding="utf-8"?>
+<file path=ppt/slides/slide5.xml><?xml version="1.0" encoding="utf-8"?>
 <p:sld xmlns:a="http://schemas.openxmlformats.org/drawingml/2006/main" xmlns:r="http://schemas.openxmlformats.org/officeDocument/2006/relationships" xmlns:p="http://schemas.openxmlformats.org/presentationml/2006/main">
   <p:cSld>
     <p:spTree>
@@ -24114,7 +23979,7 @@
 </p:sld>
 </file>
 
-<file path=ppt/slides/slide7.xml><?xml version="1.0" encoding="utf-8"?>
+<file path=ppt/slides/slide6.xml><?xml version="1.0" encoding="utf-8"?>
 <p:sld xmlns:a="http://schemas.openxmlformats.org/drawingml/2006/main" xmlns:r="http://schemas.openxmlformats.org/officeDocument/2006/relationships" xmlns:p="http://schemas.openxmlformats.org/presentationml/2006/main">
   <p:cSld>
     <p:spTree>
@@ -24189,7 +24054,7 @@
 </p:sld>
 </file>
 
-<file path=ppt/slides/slide8.xml><?xml version="1.0" encoding="utf-8"?>
+<file path=ppt/slides/slide7.xml><?xml version="1.0" encoding="utf-8"?>
 <p:sld xmlns:a="http://schemas.openxmlformats.org/drawingml/2006/main" xmlns:r="http://schemas.openxmlformats.org/officeDocument/2006/relationships" xmlns:p="http://schemas.openxmlformats.org/presentationml/2006/main">
   <p:cSld>
     <p:spTree>
@@ -24264,7 +24129,7 @@
 </p:sld>
 </file>
 
-<file path=ppt/slides/slide9.xml><?xml version="1.0" encoding="utf-8"?>
+<file path=ppt/slides/slide8.xml><?xml version="1.0" encoding="utf-8"?>
 <p:sld xmlns:a="http://schemas.openxmlformats.org/drawingml/2006/main" xmlns:r="http://schemas.openxmlformats.org/officeDocument/2006/relationships" xmlns:p="http://schemas.openxmlformats.org/presentationml/2006/main">
   <p:cSld>
     <p:spTree>
@@ -24330,6 +24195,81 @@
     <p:extLst>
       <p:ext uri="{BB962C8B-B14F-4D97-AF65-F5344CB8AC3E}">
         <p14:creationId xmlns:p14="http://schemas.microsoft.com/office/powerpoint/2010/main" val="776444318"/>
+      </p:ext>
+    </p:extLst>
+  </p:cSld>
+  <p:clrMapOvr>
+    <a:masterClrMapping/>
+  </p:clrMapOvr>
+</p:sld>
+</file>
+
+<file path=ppt/slides/slide9.xml><?xml version="1.0" encoding="utf-8"?>
+<p:sld xmlns:a="http://schemas.openxmlformats.org/drawingml/2006/main" xmlns:r="http://schemas.openxmlformats.org/officeDocument/2006/relationships" xmlns:p="http://schemas.openxmlformats.org/presentationml/2006/main">
+  <p:cSld>
+    <p:spTree>
+      <p:nvGrpSpPr>
+        <p:cNvPr id="1" name=""/>
+        <p:cNvGrpSpPr/>
+        <p:nvPr/>
+      </p:nvGrpSpPr>
+      <p:grpSpPr>
+        <a:xfrm>
+          <a:off x="0" y="0"/>
+          <a:ext cx="0" cy="0"/>
+          <a:chOff x="0" y="0"/>
+          <a:chExt cx="0" cy="0"/>
+        </a:xfrm>
+      </p:grpSpPr>
+      <p:pic>
+        <p:nvPicPr>
+          <p:cNvPr id="6146" name="Picture 2" descr="N Queen Problem Recursion explaination">
+            <a:extLst>
+              <a:ext uri="{FF2B5EF4-FFF2-40B4-BE49-F238E27FC236}">
+                <a16:creationId xmlns:a16="http://schemas.microsoft.com/office/drawing/2014/main" id="{DB447D49-EF67-43DB-9ABA-410FBA77388C}"/>
+              </a:ext>
+            </a:extLst>
+          </p:cNvPr>
+          <p:cNvPicPr>
+            <a:picLocks noChangeAspect="1" noChangeArrowheads="1"/>
+          </p:cNvPicPr>
+          <p:nvPr/>
+        </p:nvPicPr>
+        <p:blipFill rotWithShape="1">
+          <a:blip r:embed="rId2">
+            <a:extLst>
+              <a:ext uri="{28A0092B-C50C-407E-A947-70E740481C1C}">
+                <a14:useLocalDpi xmlns:a14="http://schemas.microsoft.com/office/drawing/2010/main" val="0"/>
+              </a:ext>
+            </a:extLst>
+          </a:blip>
+          <a:srcRect b="9697"/>
+          <a:stretch/>
+        </p:blipFill>
+        <p:spPr bwMode="auto">
+          <a:xfrm>
+            <a:off x="457200" y="457200"/>
+            <a:ext cx="9144000" cy="6192982"/>
+          </a:xfrm>
+          <a:prstGeom prst="rect">
+            <a:avLst/>
+          </a:prstGeom>
+          <a:noFill/>
+          <a:extLst>
+            <a:ext uri="{909E8E84-426E-40DD-AFC4-6F175D3DCCD1}">
+              <a14:hiddenFill xmlns:a14="http://schemas.microsoft.com/office/drawing/2010/main">
+                <a:solidFill>
+                  <a:srgbClr val="FFFFFF"/>
+                </a:solidFill>
+              </a14:hiddenFill>
+            </a:ext>
+          </a:extLst>
+        </p:spPr>
+      </p:pic>
+    </p:spTree>
+    <p:extLst>
+      <p:ext uri="{BB962C8B-B14F-4D97-AF65-F5344CB8AC3E}">
+        <p14:creationId xmlns:p14="http://schemas.microsoft.com/office/powerpoint/2010/main" val="929178324"/>
       </p:ext>
     </p:extLst>
   </p:cSld>
